--- a/시스템프로그래밍 발표.pptx
+++ b/시스템프로그래밍 발표.pptx
@@ -224,7 +224,7 @@
           <a:p>
             <a:fld id="{7B9DD165-2AB9-49A6-9569-04A4A70F50E6}" type="datetimeFigureOut">
               <a:rPr lang="ko-KR" altLang="en-US" smtClean="0"/>
-              <a:t>2018-12-20</a:t>
+              <a:t>2018-12-21</a:t>
             </a:fld>
             <a:endParaRPr lang="ko-KR" altLang="en-US"/>
           </a:p>
@@ -2380,7 +2380,7 @@
           <a:p>
             <a:fld id="{FA2A12EC-9935-4557-AC40-08F3EA571337}" type="datetimeFigureOut">
               <a:rPr lang="ko-KR" altLang="en-US" smtClean="0"/>
-              <a:t>2018-12-20</a:t>
+              <a:t>2018-12-21</a:t>
             </a:fld>
             <a:endParaRPr lang="ko-KR" altLang="en-US"/>
           </a:p>
@@ -2548,7 +2548,7 @@
           <a:p>
             <a:fld id="{FA2A12EC-9935-4557-AC40-08F3EA571337}" type="datetimeFigureOut">
               <a:rPr lang="ko-KR" altLang="en-US" smtClean="0"/>
-              <a:t>2018-12-20</a:t>
+              <a:t>2018-12-21</a:t>
             </a:fld>
             <a:endParaRPr lang="ko-KR" altLang="en-US"/>
           </a:p>
@@ -2726,7 +2726,7 @@
           <a:p>
             <a:fld id="{FA2A12EC-9935-4557-AC40-08F3EA571337}" type="datetimeFigureOut">
               <a:rPr lang="ko-KR" altLang="en-US" smtClean="0"/>
-              <a:t>2018-12-20</a:t>
+              <a:t>2018-12-21</a:t>
             </a:fld>
             <a:endParaRPr lang="ko-KR" altLang="en-US"/>
           </a:p>
@@ -2892,7 +2892,7 @@
           <a:p>
             <a:fld id="{FA2A12EC-9935-4557-AC40-08F3EA571337}" type="datetimeFigureOut">
               <a:rPr lang="ko-KR" altLang="en-US" smtClean="0"/>
-              <a:t>2018-12-20</a:t>
+              <a:t>2018-12-21</a:t>
             </a:fld>
             <a:endParaRPr lang="ko-KR" altLang="en-US"/>
           </a:p>
@@ -3312,7 +3312,7 @@
           <a:p>
             <a:fld id="{FA2A12EC-9935-4557-AC40-08F3EA571337}" type="datetimeFigureOut">
               <a:rPr lang="ko-KR" altLang="en-US" smtClean="0"/>
-              <a:t>2018-12-20</a:t>
+              <a:t>2018-12-21</a:t>
             </a:fld>
             <a:endParaRPr lang="ko-KR" altLang="en-US"/>
           </a:p>
@@ -3597,7 +3597,7 @@
           <a:p>
             <a:fld id="{FA2A12EC-9935-4557-AC40-08F3EA571337}" type="datetimeFigureOut">
               <a:rPr lang="ko-KR" altLang="en-US" smtClean="0"/>
-              <a:t>2018-12-20</a:t>
+              <a:t>2018-12-21</a:t>
             </a:fld>
             <a:endParaRPr lang="ko-KR" altLang="en-US"/>
           </a:p>
@@ -4021,7 +4021,7 @@
           <a:p>
             <a:fld id="{FA2A12EC-9935-4557-AC40-08F3EA571337}" type="datetimeFigureOut">
               <a:rPr lang="ko-KR" altLang="en-US" smtClean="0"/>
-              <a:t>2018-12-20</a:t>
+              <a:t>2018-12-21</a:t>
             </a:fld>
             <a:endParaRPr lang="ko-KR" altLang="en-US"/>
           </a:p>
@@ -4138,7 +4138,7 @@
           <a:p>
             <a:fld id="{FA2A12EC-9935-4557-AC40-08F3EA571337}" type="datetimeFigureOut">
               <a:rPr lang="ko-KR" altLang="en-US" smtClean="0"/>
-              <a:t>2018-12-20</a:t>
+              <a:t>2018-12-21</a:t>
             </a:fld>
             <a:endParaRPr lang="ko-KR" altLang="en-US"/>
           </a:p>
@@ -4233,7 +4233,7 @@
           <a:p>
             <a:fld id="{FA2A12EC-9935-4557-AC40-08F3EA571337}" type="datetimeFigureOut">
               <a:rPr lang="ko-KR" altLang="en-US" smtClean="0"/>
-              <a:t>2018-12-20</a:t>
+              <a:t>2018-12-21</a:t>
             </a:fld>
             <a:endParaRPr lang="ko-KR" altLang="en-US"/>
           </a:p>
@@ -4508,7 +4508,7 @@
           <a:p>
             <a:fld id="{FA2A12EC-9935-4557-AC40-08F3EA571337}" type="datetimeFigureOut">
               <a:rPr lang="ko-KR" altLang="en-US" smtClean="0"/>
-              <a:t>2018-12-20</a:t>
+              <a:t>2018-12-21</a:t>
             </a:fld>
             <a:endParaRPr lang="ko-KR" altLang="en-US"/>
           </a:p>
@@ -4760,7 +4760,7 @@
           <a:p>
             <a:fld id="{FA2A12EC-9935-4557-AC40-08F3EA571337}" type="datetimeFigureOut">
               <a:rPr lang="ko-KR" altLang="en-US" smtClean="0"/>
-              <a:t>2018-12-20</a:t>
+              <a:t>2018-12-21</a:t>
             </a:fld>
             <a:endParaRPr lang="ko-KR" altLang="en-US"/>
           </a:p>
@@ -4971,7 +4971,7 @@
           <a:p>
             <a:fld id="{FA2A12EC-9935-4557-AC40-08F3EA571337}" type="datetimeFigureOut">
               <a:rPr lang="ko-KR" altLang="en-US" smtClean="0"/>
-              <a:t>2018-12-20</a:t>
+              <a:t>2018-12-21</a:t>
             </a:fld>
             <a:endParaRPr lang="ko-KR" altLang="en-US"/>
           </a:p>
@@ -15582,8 +15582,8 @@
         </p:nvSpPr>
         <p:spPr>
           <a:xfrm>
-            <a:off x="2339752" y="1563638"/>
-            <a:ext cx="6573416" cy="2304256"/>
+            <a:off x="1763688" y="1275606"/>
+            <a:ext cx="6573416" cy="3600400"/>
           </a:xfrm>
         </p:spPr>
         <p:txBody>
@@ -15666,25 +15666,12 @@
               <a:t>Server, Client code </a:t>
             </a:r>
             <a:r>
-              <a:rPr lang="en-US" altLang="ko-KR" sz="1400" dirty="0" err="1">
-                <a:latin typeface="나눔바른고딕" panose="020B0603020101020101" pitchFamily="50" charset="-127"/>
-                <a:ea typeface="나눔바른고딕" panose="020B0603020101020101" pitchFamily="50" charset="-127"/>
-              </a:rPr>
-              <a:t>github</a:t>
-            </a:r>
-            <a:r>
               <a:rPr lang="en-US" altLang="ko-KR" sz="1400" dirty="0">
                 <a:latin typeface="나눔바른고딕" panose="020B0603020101020101" pitchFamily="50" charset="-127"/>
                 <a:ea typeface="나눔바른고딕" panose="020B0603020101020101" pitchFamily="50" charset="-127"/>
-              </a:rPr>
-              <a:t> </a:t>
-            </a:r>
-            <a:r>
-              <a:rPr lang="ko-KR" altLang="en-US" sz="1400" dirty="0">
-                <a:latin typeface="나눔바른고딕" panose="020B0603020101020101" pitchFamily="50" charset="-127"/>
-                <a:ea typeface="나눔바른고딕" panose="020B0603020101020101" pitchFamily="50" charset="-127"/>
-              </a:rPr>
-              <a:t>참고</a:t>
+                <a:hlinkClick r:id="rId3"/>
+              </a:rPr>
+              <a:t>http://golook.tistory.com/entry/ITPrograming-%EC%84%9C%EB%B2%84%EC%99%80-%ED%81%B4%EB%9D%BC%EC%9D%B4%EC%96%B8%ED%8A%B8%EB%A5%BC-%EC%9D%B4%EC%9A%A9%ED%95%9C-%EC%B1%84%ED%8C%85-%ED%95%98%EA%B8%B0</a:t>
             </a:r>
             <a:endParaRPr lang="en-US" altLang="ko-KR" sz="1400" dirty="0">
               <a:latin typeface="나눔바른고딕" panose="020B0603020101020101" pitchFamily="50" charset="-127"/>
